--- a/presentations/Session_7_SC_Discovery_LB.pptx
+++ b/presentations/Session_7_SC_Discovery_LB.pptx
@@ -231,7 +231,7 @@
           <a:p>
             <a:fld id="{372E5B6B-8713-8747-AE5B-F1241B2BF5F0}" type="datetimeFigureOut">
               <a:rPr lang="en-US" smtClean="0"/>
-              <a:t>4/6/16</a:t>
+              <a:t>5/3/16</a:t>
             </a:fld>
             <a:endParaRPr lang="en-US"/>
           </a:p>
@@ -397,7 +397,7 @@
           <a:p>
             <a:fld id="{7E7B7340-DDD5-1B49-81AA-25BC4050C073}" type="datetimeFigureOut">
               <a:rPr lang="en-US" smtClean="0"/>
-              <a:t>4/6/16</a:t>
+              <a:t>5/3/16</a:t>
             </a:fld>
             <a:endParaRPr lang="en-US"/>
           </a:p>
@@ -14064,7 +14064,7 @@
         <p:spPr>
           <a:xfrm>
             <a:off x="325120" y="1209040"/>
-            <a:ext cx="3434080" cy="2308324"/>
+            <a:ext cx="3434080" cy="3139321"/>
           </a:xfrm>
           <a:prstGeom prst="rect">
             <a:avLst/>
@@ -14113,8 +14113,21 @@
                   <a:srgbClr val="FFFFFF"/>
                 </a:solidFill>
               </a:rPr>
-              <a:t>Security-optimized Eureka service instance.</a:t>
-            </a:r>
+              <a:t>Security-optimized Eureka service </a:t>
+            </a:r>
+            <a:r>
+              <a:rPr lang="en-US" dirty="0" smtClean="0">
+                <a:solidFill>
+                  <a:srgbClr val="FFFFFF"/>
+                </a:solidFill>
+              </a:rPr>
+              <a:t>instance using Oauth2</a:t>
+            </a:r>
+            <a:endParaRPr lang="en-US" dirty="0" smtClean="0">
+              <a:solidFill>
+                <a:srgbClr val="FFFFFF"/>
+              </a:solidFill>
+            </a:endParaRPr>
           </a:p>
           <a:p>
             <a:pPr marL="285750" lvl="0" indent="-285750" fontAlgn="base">
@@ -14138,8 +14151,54 @@
                   <a:srgbClr val="FFFFFF"/>
                 </a:solidFill>
               </a:rPr>
-              <a:t>Bind into CF client application(s)</a:t>
-            </a:r>
+              <a:t>Bind into CF client application(s</a:t>
+            </a:r>
+            <a:r>
+              <a:rPr lang="en-US" dirty="0" smtClean="0">
+                <a:solidFill>
+                  <a:srgbClr val="FFFFFF"/>
+                </a:solidFill>
+              </a:rPr>
+              <a:t>)</a:t>
+            </a:r>
+          </a:p>
+          <a:p>
+            <a:pPr marL="285750" lvl="0" indent="-285750" fontAlgn="base">
+              <a:buFont typeface="Arial"/>
+              <a:buChar char="•"/>
+            </a:pPr>
+            <a:endParaRPr lang="en-US" dirty="0" smtClean="0">
+              <a:solidFill>
+                <a:srgbClr val="FFFFFF"/>
+              </a:solidFill>
+            </a:endParaRPr>
+          </a:p>
+          <a:p>
+            <a:pPr marL="285750" lvl="0" indent="-285750" fontAlgn="base">
+              <a:buFont typeface="Arial"/>
+              <a:buChar char="•"/>
+            </a:pPr>
+            <a:r>
+              <a:rPr lang="en-US" dirty="0" smtClean="0">
+                <a:solidFill>
+                  <a:srgbClr val="FFFFFF"/>
+                </a:solidFill>
+              </a:rPr>
+              <a:t>Cloud Connectors for auto</a:t>
+            </a:r>
+            <a:r>
+              <a:rPr lang="en-US" smtClean="0">
+                <a:solidFill>
+                  <a:srgbClr val="FFFFFF"/>
+                </a:solidFill>
+              </a:rPr>
+              <a:t>-reconfiguration</a:t>
+            </a:r>
+            <a:endParaRPr lang="en-US" dirty="0" smtClean="0">
+              <a:solidFill>
+                <a:srgbClr val="FFFFFF"/>
+              </a:solidFill>
+            </a:endParaRPr>
           </a:p>
         </p:txBody>
       </p:sp>
